--- a/CNPM/BÀI TẬP LÀM THÊM.pptx
+++ b/CNPM/BÀI TẬP LÀM THÊM.pptx
@@ -5,11 +5,10 @@
     <p:sldMasterId id="2147483648" r:id="rId4"/>
   </p:sldMasterIdLst>
   <p:sldIdLst>
-    <p:sldId id="256" r:id="rId5"/>
-    <p:sldId id="463" r:id="rId6"/>
-    <p:sldId id="464" r:id="rId7"/>
-    <p:sldId id="465" r:id="rId8"/>
-    <p:sldId id="466" r:id="rId9"/>
+    <p:sldId id="463" r:id="rId5"/>
+    <p:sldId id="464" r:id="rId6"/>
+    <p:sldId id="465" r:id="rId7"/>
+    <p:sldId id="466" r:id="rId8"/>
   </p:sldIdLst>
   <p:sldSz cx="12192000" cy="6858000"/>
   <p:notesSz cx="6858000" cy="9144000"/>
@@ -108,6 +107,11 @@
       </a:defRPr>
     </a:lvl9pPr>
   </p:defaultTextStyle>
+  <p:extLst>
+    <p:ext uri="{EFAFB233-063F-42B5-8137-9DF3F51BA10A}">
+      <p15:sldGuideLst xmlns:p15="http://schemas.microsoft.com/office/powerpoint/2012/main"/>
+    </p:ext>
+  </p:extLst>
 </p:presentation>
 </file>
 
@@ -258,7 +262,7 @@
           <a:p>
             <a:fld id="{E8EFFB60-81AD-4F9A-A736-BE455D002FBB}" type="datetimeFigureOut">
               <a:rPr lang="en-US" smtClean="0"/>
-              <a:t>24/02/2020</a:t>
+              <a:t>11/22/2020</a:t>
             </a:fld>
             <a:endParaRPr lang="en-US"/>
           </a:p>
@@ -456,7 +460,7 @@
           <a:p>
             <a:fld id="{E8EFFB60-81AD-4F9A-A736-BE455D002FBB}" type="datetimeFigureOut">
               <a:rPr lang="en-US" smtClean="0"/>
-              <a:t>24/02/2020</a:t>
+              <a:t>11/22/2020</a:t>
             </a:fld>
             <a:endParaRPr lang="en-US"/>
           </a:p>
@@ -664,7 +668,7 @@
           <a:p>
             <a:fld id="{E8EFFB60-81AD-4F9A-A736-BE455D002FBB}" type="datetimeFigureOut">
               <a:rPr lang="en-US" smtClean="0"/>
-              <a:t>24/02/2020</a:t>
+              <a:t>11/22/2020</a:t>
             </a:fld>
             <a:endParaRPr lang="en-US"/>
           </a:p>
@@ -862,7 +866,7 @@
           <a:p>
             <a:fld id="{E8EFFB60-81AD-4F9A-A736-BE455D002FBB}" type="datetimeFigureOut">
               <a:rPr lang="en-US" smtClean="0"/>
-              <a:t>24/02/2020</a:t>
+              <a:t>11/22/2020</a:t>
             </a:fld>
             <a:endParaRPr lang="en-US"/>
           </a:p>
@@ -1137,7 +1141,7 @@
           <a:p>
             <a:fld id="{E8EFFB60-81AD-4F9A-A736-BE455D002FBB}" type="datetimeFigureOut">
               <a:rPr lang="en-US" smtClean="0"/>
-              <a:t>24/02/2020</a:t>
+              <a:t>11/22/2020</a:t>
             </a:fld>
             <a:endParaRPr lang="en-US"/>
           </a:p>
@@ -1402,7 +1406,7 @@
           <a:p>
             <a:fld id="{E8EFFB60-81AD-4F9A-A736-BE455D002FBB}" type="datetimeFigureOut">
               <a:rPr lang="en-US" smtClean="0"/>
-              <a:t>24/02/2020</a:t>
+              <a:t>11/22/2020</a:t>
             </a:fld>
             <a:endParaRPr lang="en-US"/>
           </a:p>
@@ -1814,7 +1818,7 @@
           <a:p>
             <a:fld id="{E8EFFB60-81AD-4F9A-A736-BE455D002FBB}" type="datetimeFigureOut">
               <a:rPr lang="en-US" smtClean="0"/>
-              <a:t>24/02/2020</a:t>
+              <a:t>11/22/2020</a:t>
             </a:fld>
             <a:endParaRPr lang="en-US"/>
           </a:p>
@@ -1955,7 +1959,7 @@
           <a:p>
             <a:fld id="{E8EFFB60-81AD-4F9A-A736-BE455D002FBB}" type="datetimeFigureOut">
               <a:rPr lang="en-US" smtClean="0"/>
-              <a:t>24/02/2020</a:t>
+              <a:t>11/22/2020</a:t>
             </a:fld>
             <a:endParaRPr lang="en-US"/>
           </a:p>
@@ -2068,7 +2072,7 @@
           <a:p>
             <a:fld id="{E8EFFB60-81AD-4F9A-A736-BE455D002FBB}" type="datetimeFigureOut">
               <a:rPr lang="en-US" smtClean="0"/>
-              <a:t>24/02/2020</a:t>
+              <a:t>11/22/2020</a:t>
             </a:fld>
             <a:endParaRPr lang="en-US"/>
           </a:p>
@@ -2379,7 +2383,7 @@
           <a:p>
             <a:fld id="{E8EFFB60-81AD-4F9A-A736-BE455D002FBB}" type="datetimeFigureOut">
               <a:rPr lang="en-US" smtClean="0"/>
-              <a:t>24/02/2020</a:t>
+              <a:t>11/22/2020</a:t>
             </a:fld>
             <a:endParaRPr lang="en-US"/>
           </a:p>
@@ -2667,7 +2671,7 @@
           <a:p>
             <a:fld id="{E8EFFB60-81AD-4F9A-A736-BE455D002FBB}" type="datetimeFigureOut">
               <a:rPr lang="en-US" smtClean="0"/>
-              <a:t>24/02/2020</a:t>
+              <a:t>11/22/2020</a:t>
             </a:fld>
             <a:endParaRPr lang="en-US"/>
           </a:p>
@@ -2908,7 +2912,7 @@
           <a:p>
             <a:fld id="{E8EFFB60-81AD-4F9A-A736-BE455D002FBB}" type="datetimeFigureOut">
               <a:rPr lang="en-US" smtClean="0"/>
-              <a:t>24/02/2020</a:t>
+              <a:t>11/22/2020</a:t>
             </a:fld>
             <a:endParaRPr lang="en-US"/>
           </a:p>
@@ -3327,63 +3331,390 @@
       </p:grpSpPr>
       <p:sp>
         <p:nvSpPr>
-          <p:cNvPr id="2" name="Title 1">
-            <a:extLst>
-              <a:ext uri="{FF2B5EF4-FFF2-40B4-BE49-F238E27FC236}">
-                <a16:creationId xmlns:a16="http://schemas.microsoft.com/office/drawing/2014/main" id="{A16E691A-31E4-45A9-A655-6C6F46190B05}"/>
-              </a:ext>
-            </a:extLst>
-          </p:cNvPr>
-          <p:cNvSpPr>
-            <a:spLocks noGrp="1"/>
-          </p:cNvSpPr>
-          <p:nvPr>
-            <p:ph type="ctrTitle"/>
-          </p:nvPr>
-        </p:nvSpPr>
-        <p:spPr/>
-        <p:txBody>
-          <a:bodyPr/>
+          <p:cNvPr id="62466" name="Slide Number Placeholder 5">
+            <a:extLst>
+              <a:ext uri="{FF2B5EF4-FFF2-40B4-BE49-F238E27FC236}">
+                <a16:creationId xmlns:a16="http://schemas.microsoft.com/office/drawing/2014/main" id="{E3D83E4A-F7C1-4541-9EC2-BE22E46FE400}"/>
+              </a:ext>
+            </a:extLst>
+          </p:cNvPr>
+          <p:cNvSpPr txBox="1">
+            <a:spLocks noGrp="1"/>
+          </p:cNvSpPr>
+          <p:nvPr/>
+        </p:nvSpPr>
+        <p:spPr bwMode="gray">
+          <a:xfrm>
+            <a:off x="8241771" y="6521979"/>
+            <a:ext cx="2312458" cy="243417"/>
+          </a:xfrm>
+          <a:prstGeom prst="rect">
+            <a:avLst/>
+          </a:prstGeom>
+          <a:noFill/>
+          <a:ln>
+            <a:noFill/>
+          </a:ln>
+          <a:extLst>
+            <a:ext uri="{909E8E84-426E-40DD-AFC4-6F175D3DCCD1}">
+              <a14:hiddenFill xmlns:a14="http://schemas.microsoft.com/office/drawing/2010/main">
+                <a:solidFill>
+                  <a:srgbClr val="FFFFFF"/>
+                </a:solidFill>
+              </a14:hiddenFill>
+            </a:ext>
+            <a:ext uri="{91240B29-F687-4F45-9708-019B960494DF}">
+              <a14:hiddenLine xmlns:a14="http://schemas.microsoft.com/office/drawing/2010/main" w="9525">
+                <a:solidFill>
+                  <a:srgbClr val="000000"/>
+                </a:solidFill>
+                <a:miter lim="800000"/>
+                <a:headEnd/>
+                <a:tailEnd/>
+              </a14:hiddenLine>
+            </a:ext>
+          </a:extLst>
+        </p:spPr>
+        <p:txBody>
+          <a:bodyPr lIns="91440" tIns="45720" rIns="91440" bIns="45720"/>
+          <a:lstStyle>
+            <a:lvl1pPr defTabSz="1096963" eaLnBrk="0" hangingPunct="0">
+              <a:defRPr sz="5100">
+                <a:solidFill>
+                  <a:schemeClr val="tx1"/>
+                </a:solidFill>
+                <a:latin typeface="Arial" panose="020B0604020202020204" pitchFamily="34" charset="0"/>
+              </a:defRPr>
+            </a:lvl1pPr>
+            <a:lvl2pPr marL="742950" indent="-285750" defTabSz="1096963" eaLnBrk="0" hangingPunct="0">
+              <a:defRPr sz="5100">
+                <a:solidFill>
+                  <a:schemeClr val="tx1"/>
+                </a:solidFill>
+                <a:latin typeface="Arial" panose="020B0604020202020204" pitchFamily="34" charset="0"/>
+              </a:defRPr>
+            </a:lvl2pPr>
+            <a:lvl3pPr marL="1143000" indent="-228600" defTabSz="1096963" eaLnBrk="0" hangingPunct="0">
+              <a:defRPr sz="5100">
+                <a:solidFill>
+                  <a:schemeClr val="tx1"/>
+                </a:solidFill>
+                <a:latin typeface="Arial" panose="020B0604020202020204" pitchFamily="34" charset="0"/>
+              </a:defRPr>
+            </a:lvl3pPr>
+            <a:lvl4pPr marL="1600200" indent="-228600" defTabSz="1096963" eaLnBrk="0" hangingPunct="0">
+              <a:defRPr sz="5100">
+                <a:solidFill>
+                  <a:schemeClr val="tx1"/>
+                </a:solidFill>
+                <a:latin typeface="Arial" panose="020B0604020202020204" pitchFamily="34" charset="0"/>
+              </a:defRPr>
+            </a:lvl4pPr>
+            <a:lvl5pPr marL="2057400" indent="-228600" defTabSz="1096963" eaLnBrk="0" hangingPunct="0">
+              <a:defRPr sz="5100">
+                <a:solidFill>
+                  <a:schemeClr val="tx1"/>
+                </a:solidFill>
+                <a:latin typeface="Arial" panose="020B0604020202020204" pitchFamily="34" charset="0"/>
+              </a:defRPr>
+            </a:lvl5pPr>
+            <a:lvl6pPr marL="2514600" indent="-228600" algn="ctr" defTabSz="1096963" eaLnBrk="0" fontAlgn="base" hangingPunct="0">
+              <a:spcBef>
+                <a:spcPct val="0"/>
+              </a:spcBef>
+              <a:spcAft>
+                <a:spcPct val="0"/>
+              </a:spcAft>
+              <a:defRPr sz="5100">
+                <a:solidFill>
+                  <a:schemeClr val="tx1"/>
+                </a:solidFill>
+                <a:latin typeface="Arial" panose="020B0604020202020204" pitchFamily="34" charset="0"/>
+              </a:defRPr>
+            </a:lvl6pPr>
+            <a:lvl7pPr marL="2971800" indent="-228600" algn="ctr" defTabSz="1096963" eaLnBrk="0" fontAlgn="base" hangingPunct="0">
+              <a:spcBef>
+                <a:spcPct val="0"/>
+              </a:spcBef>
+              <a:spcAft>
+                <a:spcPct val="0"/>
+              </a:spcAft>
+              <a:defRPr sz="5100">
+                <a:solidFill>
+                  <a:schemeClr val="tx1"/>
+                </a:solidFill>
+                <a:latin typeface="Arial" panose="020B0604020202020204" pitchFamily="34" charset="0"/>
+              </a:defRPr>
+            </a:lvl7pPr>
+            <a:lvl8pPr marL="3429000" indent="-228600" algn="ctr" defTabSz="1096963" eaLnBrk="0" fontAlgn="base" hangingPunct="0">
+              <a:spcBef>
+                <a:spcPct val="0"/>
+              </a:spcBef>
+              <a:spcAft>
+                <a:spcPct val="0"/>
+              </a:spcAft>
+              <a:defRPr sz="5100">
+                <a:solidFill>
+                  <a:schemeClr val="tx1"/>
+                </a:solidFill>
+                <a:latin typeface="Arial" panose="020B0604020202020204" pitchFamily="34" charset="0"/>
+              </a:defRPr>
+            </a:lvl8pPr>
+            <a:lvl9pPr marL="3886200" indent="-228600" algn="ctr" defTabSz="1096963" eaLnBrk="0" fontAlgn="base" hangingPunct="0">
+              <a:spcBef>
+                <a:spcPct val="0"/>
+              </a:spcBef>
+              <a:spcAft>
+                <a:spcPct val="0"/>
+              </a:spcAft>
+              <a:defRPr sz="5100">
+                <a:solidFill>
+                  <a:schemeClr val="tx1"/>
+                </a:solidFill>
+                <a:latin typeface="Arial" panose="020B0604020202020204" pitchFamily="34" charset="0"/>
+              </a:defRPr>
+            </a:lvl9pPr>
+          </a:lstStyle>
+          <a:p>
+            <a:pPr algn="r" eaLnBrk="1" hangingPunct="1"/>
+            <a:fld id="{5A6C9752-911B-4757-B0B3-850D6819E79A}" type="slidenum">
+              <a:rPr lang="en-US" altLang="en-US" sz="1417">
+                <a:solidFill>
+                  <a:schemeClr val="accent1"/>
+                </a:solidFill>
+                <a:cs typeface="Arial" panose="020B0604020202020204" pitchFamily="34" charset="0"/>
+              </a:rPr>
+              <a:pPr algn="r" eaLnBrk="1" hangingPunct="1"/>
+              <a:t>1</a:t>
+            </a:fld>
+            <a:endParaRPr lang="en-US" altLang="en-US" sz="1417">
+              <a:solidFill>
+                <a:schemeClr val="accent1"/>
+              </a:solidFill>
+              <a:cs typeface="Arial" panose="020B0604020202020204" pitchFamily="34" charset="0"/>
+            </a:endParaRPr>
+          </a:p>
+        </p:txBody>
+      </p:sp>
+      <p:sp>
+        <p:nvSpPr>
+          <p:cNvPr id="499714" name="Rectangle 2">
+            <a:extLst>
+              <a:ext uri="{FF2B5EF4-FFF2-40B4-BE49-F238E27FC236}">
+                <a16:creationId xmlns:a16="http://schemas.microsoft.com/office/drawing/2014/main" id="{E82D196A-FA0D-440B-8E2C-053CD4BA8A53}"/>
+              </a:ext>
+            </a:extLst>
+          </p:cNvPr>
+          <p:cNvSpPr>
+            <a:spLocks noGrp="1" noChangeArrowheads="1"/>
+          </p:cNvSpPr>
+          <p:nvPr>
+            <p:ph type="title" idx="4294967295"/>
+          </p:nvPr>
+        </p:nvSpPr>
+        <p:spPr>
+          <a:xfrm>
+            <a:off x="2711979" y="206375"/>
+            <a:ext cx="7842250" cy="533136"/>
+          </a:xfrm>
+        </p:spPr>
+        <p:txBody>
+          <a:bodyPr vert="horz" lIns="91440" tIns="45720" rIns="91440" bIns="45720" rtlCol="0" anchor="ctr">
+            <a:normAutofit fontScale="90000"/>
+          </a:bodyPr>
           <a:lstStyle/>
           <a:p>
-            <a:r>
-              <a:rPr lang="en-US"/>
-              <a:t>BÀI TẬP VỀ NHÀ</a:t>
-            </a:r>
-          </a:p>
-        </p:txBody>
-      </p:sp>
-      <p:sp>
-        <p:nvSpPr>
-          <p:cNvPr id="3" name="Subtitle 2">
-            <a:extLst>
-              <a:ext uri="{FF2B5EF4-FFF2-40B4-BE49-F238E27FC236}">
-                <a16:creationId xmlns:a16="http://schemas.microsoft.com/office/drawing/2014/main" id="{7DAB823D-5E88-44F9-885E-44B716AB54B8}"/>
-              </a:ext>
-            </a:extLst>
-          </p:cNvPr>
-          <p:cNvSpPr>
-            <a:spLocks noGrp="1"/>
-          </p:cNvSpPr>
-          <p:nvPr>
-            <p:ph type="subTitle" idx="1"/>
-          </p:nvPr>
-        </p:nvSpPr>
-        <p:spPr/>
-        <p:txBody>
-          <a:bodyPr/>
+            <a:pPr eaLnBrk="1" hangingPunct="1">
+              <a:defRPr/>
+            </a:pPr>
+            <a:r>
+              <a:rPr lang="en-US" b="1">
+                <a:effectLst>
+                  <a:outerShdw blurRad="38100" dist="38100" dir="2700000" algn="tl">
+                    <a:srgbClr val="C0C0C0"/>
+                  </a:outerShdw>
+                </a:effectLst>
+              </a:rPr>
+              <a:t>Bài tập</a:t>
+            </a:r>
+          </a:p>
+        </p:txBody>
+      </p:sp>
+      <p:sp>
+        <p:nvSpPr>
+          <p:cNvPr id="62468" name="Rectangle 3">
+            <a:extLst>
+              <a:ext uri="{FF2B5EF4-FFF2-40B4-BE49-F238E27FC236}">
+                <a16:creationId xmlns:a16="http://schemas.microsoft.com/office/drawing/2014/main" id="{41DA42D7-6878-4E8C-B0A0-D5A7A036898E}"/>
+              </a:ext>
+            </a:extLst>
+          </p:cNvPr>
+          <p:cNvSpPr>
+            <a:spLocks noGrp="1" noChangeArrowheads="1"/>
+          </p:cNvSpPr>
+          <p:nvPr>
+            <p:ph type="body" idx="4294967295"/>
+          </p:nvPr>
+        </p:nvSpPr>
+        <p:spPr>
+          <a:xfrm>
+            <a:off x="1640417" y="1449917"/>
+            <a:ext cx="8913813" cy="4947708"/>
+          </a:xfrm>
+        </p:spPr>
+        <p:txBody>
+          <a:bodyPr vert="horz" lIns="91440" tIns="45720" rIns="91440" bIns="45720" rtlCol="0">
+            <a:normAutofit fontScale="92500" lnSpcReduction="10000"/>
+          </a:bodyPr>
           <a:lstStyle/>
           <a:p>
-            <a:endParaRPr lang="en-US"/>
-          </a:p>
-        </p:txBody>
-      </p:sp>
+            <a:pPr marL="380985" indent="-380985" algn="just" defTabSz="761970">
+              <a:lnSpc>
+                <a:spcPct val="120000"/>
+              </a:lnSpc>
+              <a:buFont typeface="Wingdings" panose="05000000000000000000" pitchFamily="2" charset="2"/>
+              <a:buAutoNum type="arabicPeriod"/>
+            </a:pPr>
+            <a:r>
+              <a:rPr lang="en-US" altLang="en-US"/>
+              <a:t>Xét phần mềm quản lý học sinh với nghiệp vụ tiếp nhận hồ sơ học sinh</a:t>
+            </a:r>
+          </a:p>
+          <a:p>
+            <a:pPr marL="380985" indent="-380985" algn="just" defTabSz="761970">
+              <a:lnSpc>
+                <a:spcPct val="120000"/>
+              </a:lnSpc>
+              <a:buFont typeface="Wingdings" panose="05000000000000000000" pitchFamily="2" charset="2"/>
+              <a:buAutoNum type="arabicPeriod"/>
+            </a:pPr>
+            <a:endParaRPr lang="en-US" altLang="en-US"/>
+          </a:p>
+          <a:p>
+            <a:pPr marL="380985" indent="-380985" algn="just" defTabSz="761970">
+              <a:lnSpc>
+                <a:spcPct val="120000"/>
+              </a:lnSpc>
+              <a:buFont typeface="Wingdings" panose="05000000000000000000" pitchFamily="2" charset="2"/>
+              <a:buAutoNum type="arabicPeriod"/>
+            </a:pPr>
+            <a:endParaRPr lang="en-US" altLang="en-US"/>
+          </a:p>
+          <a:p>
+            <a:pPr marL="380985" indent="-380985" algn="just" defTabSz="761970">
+              <a:lnSpc>
+                <a:spcPct val="120000"/>
+              </a:lnSpc>
+              <a:buFont typeface="Wingdings" panose="05000000000000000000" pitchFamily="2" charset="2"/>
+              <a:buAutoNum type="arabicPeriod"/>
+            </a:pPr>
+            <a:endParaRPr lang="en-US" altLang="en-US"/>
+          </a:p>
+          <a:p>
+            <a:pPr marL="380985" indent="-380985" algn="just" defTabSz="761970">
+              <a:lnSpc>
+                <a:spcPct val="120000"/>
+              </a:lnSpc>
+              <a:buFont typeface="Wingdings" panose="05000000000000000000" pitchFamily="2" charset="2"/>
+              <a:buAutoNum type="arabicPeriod"/>
+            </a:pPr>
+            <a:endParaRPr lang="en-US" altLang="en-US"/>
+          </a:p>
+          <a:p>
+            <a:pPr marL="380985" indent="-380985" algn="just" defTabSz="761970">
+              <a:lnSpc>
+                <a:spcPct val="120000"/>
+              </a:lnSpc>
+              <a:buNone/>
+            </a:pPr>
+            <a:r>
+              <a:rPr lang="en-US" altLang="en-US"/>
+              <a:t>1. Hãy lập sơ đồ luồng dữ liệu, </a:t>
+            </a:r>
+          </a:p>
+          <a:p>
+            <a:pPr marL="380985" indent="-380985" algn="just" defTabSz="761970">
+              <a:lnSpc>
+                <a:spcPct val="120000"/>
+              </a:lnSpc>
+              <a:buNone/>
+            </a:pPr>
+            <a:r>
+              <a:rPr lang="en-US" altLang="en-US"/>
+              <a:t> 2. Thiết kế dữ liệu: Thiết kế tính đúng đắn, thiết kê tính tiến hóa, thiết kế tính hiệu quả (tốc độ), thiết kế tính hiệu quả (L</a:t>
+            </a:r>
+            <a:r>
+              <a:rPr lang="vi-VN" altLang="en-US"/>
+              <a:t>ư</a:t>
+            </a:r>
+            <a:r>
+              <a:rPr lang="en-US" altLang="en-US"/>
+              <a:t>u trữ)</a:t>
+            </a:r>
+          </a:p>
+        </p:txBody>
+      </p:sp>
+      <p:pic>
+        <p:nvPicPr>
+          <p:cNvPr id="62469" name="Picture 5">
+            <a:extLst>
+              <a:ext uri="{FF2B5EF4-FFF2-40B4-BE49-F238E27FC236}">
+                <a16:creationId xmlns:a16="http://schemas.microsoft.com/office/drawing/2014/main" id="{82F92DEF-2493-41FD-9551-9026C5198434}"/>
+              </a:ext>
+            </a:extLst>
+          </p:cNvPr>
+          <p:cNvPicPr>
+            <a:picLocks noChangeAspect="1" noChangeArrowheads="1"/>
+          </p:cNvPicPr>
+          <p:nvPr/>
+        </p:nvPicPr>
+        <p:blipFill>
+          <a:blip r:embed="rId2">
+            <a:extLst>
+              <a:ext uri="{28A0092B-C50C-407E-A947-70E740481C1C}">
+                <a14:useLocalDpi xmlns:a14="http://schemas.microsoft.com/office/drawing/2010/main" val="0"/>
+              </a:ext>
+            </a:extLst>
+          </a:blip>
+          <a:srcRect/>
+          <a:stretch>
+            <a:fillRect/>
+          </a:stretch>
+        </p:blipFill>
+        <p:spPr bwMode="auto">
+          <a:xfrm>
+            <a:off x="2087034" y="2324364"/>
+            <a:ext cx="8338344" cy="2209271"/>
+          </a:xfrm>
+          <a:prstGeom prst="rect">
+            <a:avLst/>
+          </a:prstGeom>
+          <a:noFill/>
+          <a:ln>
+            <a:noFill/>
+          </a:ln>
+          <a:extLst>
+            <a:ext uri="{909E8E84-426E-40DD-AFC4-6F175D3DCCD1}">
+              <a14:hiddenFill xmlns:a14="http://schemas.microsoft.com/office/drawing/2010/main">
+                <a:solidFill>
+                  <a:srgbClr val="FFFFFF"/>
+                </a:solidFill>
+              </a14:hiddenFill>
+            </a:ext>
+            <a:ext uri="{91240B29-F687-4F45-9708-019B960494DF}">
+              <a14:hiddenLine xmlns:a14="http://schemas.microsoft.com/office/drawing/2010/main" w="9525">
+                <a:solidFill>
+                  <a:srgbClr val="000000"/>
+                </a:solidFill>
+                <a:miter lim="800000"/>
+                <a:headEnd/>
+                <a:tailEnd/>
+              </a14:hiddenLine>
+            </a:ext>
+          </a:extLst>
+        </p:spPr>
+      </p:pic>
     </p:spTree>
-    <p:extLst>
-      <p:ext uri="{BB962C8B-B14F-4D97-AF65-F5344CB8AC3E}">
-        <p14:creationId xmlns:p14="http://schemas.microsoft.com/office/powerpoint/2010/main" val="3691034295"/>
-      </p:ext>
-    </p:extLst>
   </p:cSld>
   <p:clrMapOvr>
     <a:masterClrMapping/>
@@ -3410,10 +3741,10 @@
       </p:grpSpPr>
       <p:sp>
         <p:nvSpPr>
-          <p:cNvPr id="62466" name="Slide Number Placeholder 5">
-            <a:extLst>
-              <a:ext uri="{FF2B5EF4-FFF2-40B4-BE49-F238E27FC236}">
-                <a16:creationId xmlns:a16="http://schemas.microsoft.com/office/drawing/2014/main" id="{E3D83E4A-F7C1-4541-9EC2-BE22E46FE400}"/>
+          <p:cNvPr id="63490" name="Slide Number Placeholder 5">
+            <a:extLst>
+              <a:ext uri="{FF2B5EF4-FFF2-40B4-BE49-F238E27FC236}">
+                <a16:creationId xmlns:a16="http://schemas.microsoft.com/office/drawing/2014/main" id="{5A4D0C2B-6C2F-48D5-9DC7-344F00B8551D}"/>
               </a:ext>
             </a:extLst>
           </p:cNvPr>
@@ -3556,7 +3887,7 @@
           </a:lstStyle>
           <a:p>
             <a:pPr algn="r" eaLnBrk="1" hangingPunct="1"/>
-            <a:fld id="{5A6C9752-911B-4757-B0B3-850D6819E79A}" type="slidenum">
+            <a:fld id="{4F01891C-DD0E-4771-91B5-F2D677B739CE}" type="slidenum">
               <a:rPr lang="en-US" altLang="en-US" sz="1417">
                 <a:solidFill>
                   <a:schemeClr val="accent1"/>
@@ -3577,10 +3908,10 @@
       </p:sp>
       <p:sp>
         <p:nvSpPr>
-          <p:cNvPr id="499714" name="Rectangle 2">
-            <a:extLst>
-              <a:ext uri="{FF2B5EF4-FFF2-40B4-BE49-F238E27FC236}">
-                <a16:creationId xmlns:a16="http://schemas.microsoft.com/office/drawing/2014/main" id="{E82D196A-FA0D-440B-8E2C-053CD4BA8A53}"/>
+          <p:cNvPr id="485378" name="Rectangle 2">
+            <a:extLst>
+              <a:ext uri="{FF2B5EF4-FFF2-40B4-BE49-F238E27FC236}">
+                <a16:creationId xmlns:a16="http://schemas.microsoft.com/office/drawing/2014/main" id="{29EE35C9-6C49-4E82-B538-1A72FE1930EA}"/>
               </a:ext>
             </a:extLst>
           </p:cNvPr>
@@ -3621,10 +3952,10 @@
       </p:sp>
       <p:sp>
         <p:nvSpPr>
-          <p:cNvPr id="62468" name="Rectangle 3">
-            <a:extLst>
-              <a:ext uri="{FF2B5EF4-FFF2-40B4-BE49-F238E27FC236}">
-                <a16:creationId xmlns:a16="http://schemas.microsoft.com/office/drawing/2014/main" id="{41DA42D7-6878-4E8C-B0A0-D5A7A036898E}"/>
+          <p:cNvPr id="63492" name="Rectangle 3">
+            <a:extLst>
+              <a:ext uri="{FF2B5EF4-FFF2-40B4-BE49-F238E27FC236}">
+                <a16:creationId xmlns:a16="http://schemas.microsoft.com/office/drawing/2014/main" id="{4C079257-D0FE-4D76-A62D-88564F0C247D}"/>
               </a:ext>
             </a:extLst>
           </p:cNvPr>
@@ -3637,13 +3968,13 @@
         </p:nvSpPr>
         <p:spPr>
           <a:xfrm>
-            <a:off x="1640417" y="1449917"/>
+            <a:off x="1421342" y="1478492"/>
             <a:ext cx="8913813" cy="4947708"/>
           </a:xfrm>
         </p:spPr>
         <p:txBody>
           <a:bodyPr vert="horz" lIns="91440" tIns="45720" rIns="91440" bIns="45720" rtlCol="0">
-            <a:normAutofit fontScale="92500" lnSpcReduction="10000"/>
+            <a:normAutofit fontScale="92500" lnSpcReduction="20000"/>
           </a:bodyPr>
           <a:lstStyle/>
           <a:p>
@@ -3652,12 +3983,141 @@
                 <a:spcPct val="120000"/>
               </a:lnSpc>
               <a:buFont typeface="Wingdings" panose="05000000000000000000" pitchFamily="2" charset="2"/>
-              <a:buAutoNum type="arabicPeriod"/>
+              <a:buAutoNum type="arabicPeriod" startAt="2"/>
             </a:pPr>
             <a:r>
-              <a:rPr lang="en-US" altLang="en-US"/>
-              <a:t>Xét phần mềm quản lý học sinh với nghiệp vụ tiếp nhận hồ sơ học sinh</a:t>
-            </a:r>
+              <a:rPr lang="en-US" altLang="en-US" dirty="0" err="1"/>
+              <a:t>Xét</a:t>
+            </a:r>
+            <a:r>
+              <a:rPr lang="en-US" altLang="en-US" dirty="0"/>
+              <a:t> </a:t>
+            </a:r>
+            <a:r>
+              <a:rPr lang="en-US" altLang="en-US" dirty="0" err="1"/>
+              <a:t>phần</a:t>
+            </a:r>
+            <a:r>
+              <a:rPr lang="en-US" altLang="en-US" dirty="0"/>
+              <a:t> </a:t>
+            </a:r>
+            <a:r>
+              <a:rPr lang="en-US" altLang="en-US" dirty="0" err="1"/>
+              <a:t>mềm</a:t>
+            </a:r>
+            <a:r>
+              <a:rPr lang="en-US" altLang="en-US" dirty="0"/>
+              <a:t> </a:t>
+            </a:r>
+            <a:r>
+              <a:rPr lang="en-US" altLang="en-US" dirty="0" err="1"/>
+              <a:t>quản</a:t>
+            </a:r>
+            <a:r>
+              <a:rPr lang="en-US" altLang="en-US" dirty="0"/>
+              <a:t> </a:t>
+            </a:r>
+            <a:r>
+              <a:rPr lang="en-US" altLang="en-US" dirty="0" err="1"/>
+              <a:t>lý</a:t>
+            </a:r>
+            <a:r>
+              <a:rPr lang="en-US" altLang="en-US" dirty="0"/>
+              <a:t> </a:t>
+            </a:r>
+            <a:r>
+              <a:rPr lang="en-US" altLang="en-US" dirty="0" err="1"/>
+              <a:t>bán</a:t>
+            </a:r>
+            <a:r>
+              <a:rPr lang="en-US" altLang="en-US" dirty="0"/>
+              <a:t> </a:t>
+            </a:r>
+            <a:r>
+              <a:rPr lang="en-US" altLang="en-US" dirty="0" err="1"/>
+              <a:t>hàng</a:t>
+            </a:r>
+            <a:r>
+              <a:rPr lang="en-US" altLang="en-US" dirty="0"/>
+              <a:t> </a:t>
+            </a:r>
+            <a:r>
+              <a:rPr lang="en-US" altLang="en-US" dirty="0" err="1"/>
+              <a:t>với</a:t>
+            </a:r>
+            <a:r>
+              <a:rPr lang="en-US" altLang="en-US" dirty="0"/>
+              <a:t> </a:t>
+            </a:r>
+            <a:r>
+              <a:rPr lang="en-US" altLang="en-US" dirty="0" err="1"/>
+              <a:t>nghiệp</a:t>
+            </a:r>
+            <a:r>
+              <a:rPr lang="en-US" altLang="en-US" dirty="0"/>
+              <a:t> </a:t>
+            </a:r>
+            <a:r>
+              <a:rPr lang="en-US" altLang="en-US" dirty="0" err="1"/>
+              <a:t>vụ</a:t>
+            </a:r>
+            <a:r>
+              <a:rPr lang="en-US" altLang="en-US" dirty="0"/>
+              <a:t> </a:t>
+            </a:r>
+            <a:r>
+              <a:rPr lang="en-US" altLang="en-US" dirty="0" err="1"/>
+              <a:t>lập</a:t>
+            </a:r>
+            <a:r>
+              <a:rPr lang="en-US" altLang="en-US" dirty="0"/>
+              <a:t> </a:t>
+            </a:r>
+            <a:r>
+              <a:rPr lang="en-US" altLang="en-US" dirty="0" err="1"/>
+              <a:t>phiếu</a:t>
+            </a:r>
+            <a:r>
+              <a:rPr lang="en-US" altLang="en-US" dirty="0"/>
+              <a:t> </a:t>
+            </a:r>
+            <a:r>
+              <a:rPr lang="en-US" altLang="en-US" dirty="0" err="1"/>
+              <a:t>thu</a:t>
+            </a:r>
+            <a:r>
+              <a:rPr lang="en-US" altLang="en-US" dirty="0"/>
+              <a:t> </a:t>
+            </a:r>
+            <a:r>
+              <a:rPr lang="en-US" altLang="en-US" dirty="0" err="1"/>
+              <a:t>tiền</a:t>
+            </a:r>
+            <a:r>
+              <a:rPr lang="en-US" altLang="en-US" dirty="0"/>
+              <a:t> </a:t>
+            </a:r>
+            <a:r>
+              <a:rPr lang="en-US" altLang="en-US" dirty="0" err="1"/>
+              <a:t>của</a:t>
+            </a:r>
+            <a:r>
+              <a:rPr lang="en-US" altLang="en-US" dirty="0"/>
+              <a:t> </a:t>
+            </a:r>
+            <a:r>
+              <a:rPr lang="en-US" altLang="en-US" dirty="0" err="1"/>
+              <a:t>khách</a:t>
+            </a:r>
+            <a:r>
+              <a:rPr lang="en-US" altLang="en-US" dirty="0"/>
+              <a:t> </a:t>
+            </a:r>
+            <a:r>
+              <a:rPr lang="en-US" altLang="en-US" dirty="0" err="1"/>
+              <a:t>hàng</a:t>
+            </a:r>
+            <a:endParaRPr lang="en-US" altLang="en-US" dirty="0"/>
           </a:p>
           <a:p>
             <a:pPr marL="380985" indent="-380985" algn="just" defTabSz="761970">
@@ -3665,9 +4125,9 @@
                 <a:spcPct val="120000"/>
               </a:lnSpc>
               <a:buFont typeface="Wingdings" panose="05000000000000000000" pitchFamily="2" charset="2"/>
-              <a:buAutoNum type="arabicPeriod"/>
+              <a:buAutoNum type="arabicPeriod" startAt="2"/>
             </a:pPr>
-            <a:endParaRPr lang="en-US" altLang="en-US"/>
+            <a:endParaRPr lang="en-US" altLang="en-US" dirty="0"/>
           </a:p>
           <a:p>
             <a:pPr marL="380985" indent="-380985" algn="just" defTabSz="761970">
@@ -3675,9 +4135,9 @@
                 <a:spcPct val="120000"/>
               </a:lnSpc>
               <a:buFont typeface="Wingdings" panose="05000000000000000000" pitchFamily="2" charset="2"/>
-              <a:buAutoNum type="arabicPeriod"/>
+              <a:buAutoNum type="arabicPeriod" startAt="2"/>
             </a:pPr>
-            <a:endParaRPr lang="en-US" altLang="en-US"/>
+            <a:endParaRPr lang="en-US" altLang="en-US" dirty="0"/>
           </a:p>
           <a:p>
             <a:pPr marL="380985" indent="-380985" algn="just" defTabSz="761970">
@@ -3685,9 +4145,9 @@
                 <a:spcPct val="120000"/>
               </a:lnSpc>
               <a:buFont typeface="Wingdings" panose="05000000000000000000" pitchFamily="2" charset="2"/>
-              <a:buAutoNum type="arabicPeriod"/>
+              <a:buAutoNum type="arabicPeriod" startAt="2"/>
             </a:pPr>
-            <a:endParaRPr lang="en-US" altLang="en-US"/>
+            <a:endParaRPr lang="en-US" altLang="en-US" dirty="0"/>
           </a:p>
           <a:p>
             <a:pPr marL="380985" indent="-380985" algn="just" defTabSz="761970">
@@ -3695,21 +4155,19 @@
                 <a:spcPct val="120000"/>
               </a:lnSpc>
               <a:buFont typeface="Wingdings" panose="05000000000000000000" pitchFamily="2" charset="2"/>
-              <a:buAutoNum type="arabicPeriod"/>
+              <a:buAutoNum type="arabicPeriod" startAt="2"/>
             </a:pPr>
-            <a:endParaRPr lang="en-US" altLang="en-US"/>
+            <a:endParaRPr lang="en-US" altLang="en-US" dirty="0"/>
           </a:p>
           <a:p>
             <a:pPr marL="380985" indent="-380985" algn="just" defTabSz="761970">
               <a:lnSpc>
                 <a:spcPct val="120000"/>
               </a:lnSpc>
-              <a:buNone/>
+              <a:buFont typeface="Wingdings" panose="05000000000000000000" pitchFamily="2" charset="2"/>
+              <a:buAutoNum type="arabicPeriod" startAt="2"/>
             </a:pPr>
-            <a:r>
-              <a:rPr lang="en-US" altLang="en-US"/>
-              <a:t>1. Hãy lập sơ đồ luồng dữ liệu, </a:t>
-            </a:r>
+            <a:endParaRPr lang="en-US" altLang="en-US" dirty="0"/>
           </a:p>
           <a:p>
             <a:pPr marL="380985" indent="-380985" algn="just" defTabSz="761970">
@@ -3719,26 +4177,310 @@
               <a:buNone/>
             </a:pPr>
             <a:r>
-              <a:rPr lang="en-US" altLang="en-US"/>
-              <a:t> 2. Thiết kế dữ liệu: Thiết kế tính đúng đắn, thiết kê tính tiến hóa, thiết kế tính hiệu quả (tốc độ), thiết kế tính hiệu quả (L</a:t>
-            </a:r>
-            <a:r>
-              <a:rPr lang="vi-VN" altLang="en-US"/>
+              <a:rPr lang="en-US" altLang="en-US" dirty="0"/>
+              <a:t>1. </a:t>
+            </a:r>
+            <a:r>
+              <a:rPr lang="en-US" altLang="en-US" dirty="0" err="1"/>
+              <a:t>Hãy</a:t>
+            </a:r>
+            <a:r>
+              <a:rPr lang="en-US" altLang="en-US" dirty="0"/>
+              <a:t> </a:t>
+            </a:r>
+            <a:r>
+              <a:rPr lang="en-US" altLang="en-US" dirty="0" err="1"/>
+              <a:t>lập</a:t>
+            </a:r>
+            <a:r>
+              <a:rPr lang="en-US" altLang="en-US" dirty="0"/>
+              <a:t> </a:t>
+            </a:r>
+            <a:r>
+              <a:rPr lang="en-US" altLang="en-US" dirty="0" err="1"/>
+              <a:t>sơ</a:t>
+            </a:r>
+            <a:r>
+              <a:rPr lang="en-US" altLang="en-US" dirty="0"/>
+              <a:t> </a:t>
+            </a:r>
+            <a:r>
+              <a:rPr lang="en-US" altLang="en-US" dirty="0" err="1"/>
+              <a:t>đồ</a:t>
+            </a:r>
+            <a:r>
+              <a:rPr lang="en-US" altLang="en-US" dirty="0"/>
+              <a:t> </a:t>
+            </a:r>
+            <a:r>
+              <a:rPr lang="en-US" altLang="en-US" dirty="0" err="1"/>
+              <a:t>luồng</a:t>
+            </a:r>
+            <a:r>
+              <a:rPr lang="en-US" altLang="en-US" dirty="0"/>
+              <a:t> </a:t>
+            </a:r>
+            <a:r>
+              <a:rPr lang="en-US" altLang="en-US" dirty="0" err="1"/>
+              <a:t>dữ</a:t>
+            </a:r>
+            <a:r>
+              <a:rPr lang="en-US" altLang="en-US" dirty="0"/>
+              <a:t> </a:t>
+            </a:r>
+            <a:r>
+              <a:rPr lang="en-US" altLang="en-US" dirty="0" err="1"/>
+              <a:t>liệu</a:t>
+            </a:r>
+            <a:r>
+              <a:rPr lang="en-US" altLang="en-US" dirty="0"/>
+              <a:t>, </a:t>
+            </a:r>
+          </a:p>
+          <a:p>
+            <a:pPr marL="380985" indent="-380985" algn="just" defTabSz="761970">
+              <a:lnSpc>
+                <a:spcPct val="120000"/>
+              </a:lnSpc>
+              <a:buNone/>
+            </a:pPr>
+            <a:r>
+              <a:rPr lang="en-US" altLang="en-US" dirty="0"/>
+              <a:t> 2. </a:t>
+            </a:r>
+            <a:r>
+              <a:rPr lang="en-US" altLang="en-US" dirty="0" err="1"/>
+              <a:t>Thiết</a:t>
+            </a:r>
+            <a:r>
+              <a:rPr lang="en-US" altLang="en-US" dirty="0"/>
+              <a:t> </a:t>
+            </a:r>
+            <a:r>
+              <a:rPr lang="en-US" altLang="en-US" dirty="0" err="1"/>
+              <a:t>kế</a:t>
+            </a:r>
+            <a:r>
+              <a:rPr lang="en-US" altLang="en-US" dirty="0"/>
+              <a:t> </a:t>
+            </a:r>
+            <a:r>
+              <a:rPr lang="en-US" altLang="en-US" dirty="0" err="1"/>
+              <a:t>dữ</a:t>
+            </a:r>
+            <a:r>
+              <a:rPr lang="en-US" altLang="en-US" dirty="0"/>
+              <a:t> </a:t>
+            </a:r>
+            <a:r>
+              <a:rPr lang="en-US" altLang="en-US" dirty="0" err="1"/>
+              <a:t>liệu</a:t>
+            </a:r>
+            <a:r>
+              <a:rPr lang="en-US" altLang="en-US" dirty="0"/>
+              <a:t>: </a:t>
+            </a:r>
+            <a:r>
+              <a:rPr lang="en-US" altLang="en-US" dirty="0" err="1"/>
+              <a:t>Thiết</a:t>
+            </a:r>
+            <a:r>
+              <a:rPr lang="en-US" altLang="en-US" dirty="0"/>
+              <a:t> </a:t>
+            </a:r>
+            <a:r>
+              <a:rPr lang="en-US" altLang="en-US" dirty="0" err="1"/>
+              <a:t>kế</a:t>
+            </a:r>
+            <a:r>
+              <a:rPr lang="en-US" altLang="en-US" dirty="0"/>
+              <a:t> </a:t>
+            </a:r>
+            <a:r>
+              <a:rPr lang="en-US" altLang="en-US" dirty="0" err="1"/>
+              <a:t>tính</a:t>
+            </a:r>
+            <a:r>
+              <a:rPr lang="en-US" altLang="en-US" dirty="0"/>
+              <a:t> </a:t>
+            </a:r>
+            <a:r>
+              <a:rPr lang="en-US" altLang="en-US" dirty="0" err="1"/>
+              <a:t>đúng</a:t>
+            </a:r>
+            <a:r>
+              <a:rPr lang="en-US" altLang="en-US" dirty="0"/>
+              <a:t> </a:t>
+            </a:r>
+            <a:r>
+              <a:rPr lang="en-US" altLang="en-US" dirty="0" err="1"/>
+              <a:t>đắn</a:t>
+            </a:r>
+            <a:r>
+              <a:rPr lang="en-US" altLang="en-US" dirty="0"/>
+              <a:t>, </a:t>
+            </a:r>
+            <a:r>
+              <a:rPr lang="en-US" altLang="en-US" dirty="0" err="1"/>
+              <a:t>thiết</a:t>
+            </a:r>
+            <a:r>
+              <a:rPr lang="en-US" altLang="en-US" dirty="0"/>
+              <a:t> </a:t>
+            </a:r>
+            <a:r>
+              <a:rPr lang="en-US" altLang="en-US" dirty="0" err="1"/>
+              <a:t>kê</a:t>
+            </a:r>
+            <a:r>
+              <a:rPr lang="en-US" altLang="en-US" dirty="0"/>
+              <a:t> </a:t>
+            </a:r>
+            <a:r>
+              <a:rPr lang="en-US" altLang="en-US" dirty="0" err="1"/>
+              <a:t>tính</a:t>
+            </a:r>
+            <a:r>
+              <a:rPr lang="en-US" altLang="en-US" dirty="0"/>
+              <a:t> </a:t>
+            </a:r>
+            <a:r>
+              <a:rPr lang="en-US" altLang="en-US" dirty="0" err="1"/>
+              <a:t>tiến</a:t>
+            </a:r>
+            <a:r>
+              <a:rPr lang="en-US" altLang="en-US" dirty="0"/>
+              <a:t> </a:t>
+            </a:r>
+            <a:r>
+              <a:rPr lang="en-US" altLang="en-US" dirty="0" err="1"/>
+              <a:t>hóa</a:t>
+            </a:r>
+            <a:r>
+              <a:rPr lang="en-US" altLang="en-US" dirty="0"/>
+              <a:t>, </a:t>
+            </a:r>
+            <a:r>
+              <a:rPr lang="en-US" altLang="en-US" dirty="0" err="1"/>
+              <a:t>thiết</a:t>
+            </a:r>
+            <a:r>
+              <a:rPr lang="en-US" altLang="en-US" dirty="0"/>
+              <a:t> </a:t>
+            </a:r>
+            <a:r>
+              <a:rPr lang="en-US" altLang="en-US" dirty="0" err="1"/>
+              <a:t>kế</a:t>
+            </a:r>
+            <a:r>
+              <a:rPr lang="en-US" altLang="en-US" dirty="0"/>
+              <a:t> </a:t>
+            </a:r>
+            <a:r>
+              <a:rPr lang="en-US" altLang="en-US" dirty="0" err="1"/>
+              <a:t>tính</a:t>
+            </a:r>
+            <a:r>
+              <a:rPr lang="en-US" altLang="en-US" dirty="0"/>
+              <a:t> </a:t>
+            </a:r>
+            <a:r>
+              <a:rPr lang="en-US" altLang="en-US" dirty="0" err="1"/>
+              <a:t>hiệu</a:t>
+            </a:r>
+            <a:r>
+              <a:rPr lang="en-US" altLang="en-US" dirty="0"/>
+              <a:t> </a:t>
+            </a:r>
+            <a:r>
+              <a:rPr lang="en-US" altLang="en-US" dirty="0" err="1"/>
+              <a:t>quả</a:t>
+            </a:r>
+            <a:r>
+              <a:rPr lang="en-US" altLang="en-US" dirty="0"/>
+              <a:t> (</a:t>
+            </a:r>
+            <a:r>
+              <a:rPr lang="en-US" altLang="en-US" dirty="0" err="1"/>
+              <a:t>tốc</a:t>
+            </a:r>
+            <a:r>
+              <a:rPr lang="en-US" altLang="en-US" dirty="0"/>
+              <a:t> </a:t>
+            </a:r>
+            <a:r>
+              <a:rPr lang="en-US" altLang="en-US" dirty="0" err="1"/>
+              <a:t>độ</a:t>
+            </a:r>
+            <a:r>
+              <a:rPr lang="en-US" altLang="en-US" dirty="0"/>
+              <a:t>), </a:t>
+            </a:r>
+            <a:r>
+              <a:rPr lang="en-US" altLang="en-US" dirty="0" err="1"/>
+              <a:t>thiết</a:t>
+            </a:r>
+            <a:r>
+              <a:rPr lang="en-US" altLang="en-US" dirty="0"/>
+              <a:t> </a:t>
+            </a:r>
+            <a:r>
+              <a:rPr lang="en-US" altLang="en-US" dirty="0" err="1"/>
+              <a:t>kế</a:t>
+            </a:r>
+            <a:r>
+              <a:rPr lang="en-US" altLang="en-US" dirty="0"/>
+              <a:t> </a:t>
+            </a:r>
+            <a:r>
+              <a:rPr lang="en-US" altLang="en-US" dirty="0" err="1"/>
+              <a:t>tính</a:t>
+            </a:r>
+            <a:r>
+              <a:rPr lang="en-US" altLang="en-US" dirty="0"/>
+              <a:t> </a:t>
+            </a:r>
+            <a:r>
+              <a:rPr lang="en-US" altLang="en-US" dirty="0" err="1"/>
+              <a:t>hiệu</a:t>
+            </a:r>
+            <a:r>
+              <a:rPr lang="en-US" altLang="en-US" dirty="0"/>
+              <a:t> </a:t>
+            </a:r>
+            <a:r>
+              <a:rPr lang="en-US" altLang="en-US" dirty="0" err="1"/>
+              <a:t>quả</a:t>
+            </a:r>
+            <a:r>
+              <a:rPr lang="en-US" altLang="en-US" dirty="0"/>
+              <a:t> (L</a:t>
+            </a:r>
+            <a:r>
+              <a:rPr lang="vi-VN" altLang="en-US" dirty="0"/>
               <a:t>ư</a:t>
             </a:r>
             <a:r>
-              <a:rPr lang="en-US" altLang="en-US"/>
-              <a:t>u trữ)</a:t>
+              <a:rPr lang="en-US" altLang="en-US" dirty="0"/>
+              <a:t>u </a:t>
+            </a:r>
+            <a:r>
+              <a:rPr lang="en-US" altLang="en-US" dirty="0" err="1"/>
+              <a:t>trữ</a:t>
+            </a:r>
+            <a:r>
+              <a:rPr lang="en-US" altLang="en-US" dirty="0"/>
+              <a:t>)</a:t>
             </a:r>
           </a:p>
         </p:txBody>
       </p:sp>
       <p:pic>
         <p:nvPicPr>
-          <p:cNvPr id="62469" name="Picture 5">
-            <a:extLst>
-              <a:ext uri="{FF2B5EF4-FFF2-40B4-BE49-F238E27FC236}">
-                <a16:creationId xmlns:a16="http://schemas.microsoft.com/office/drawing/2014/main" id="{82F92DEF-2493-41FD-9551-9026C5198434}"/>
+          <p:cNvPr id="63493" name="Picture 4">
+            <a:extLst>
+              <a:ext uri="{FF2B5EF4-FFF2-40B4-BE49-F238E27FC236}">
+                <a16:creationId xmlns:a16="http://schemas.microsoft.com/office/drawing/2014/main" id="{FB0182F1-40FF-4B71-BA4B-1F615433627A}"/>
               </a:ext>
             </a:extLst>
           </p:cNvPr>
@@ -3762,8 +4504,8 @@
         </p:blipFill>
         <p:spPr bwMode="auto">
           <a:xfrm>
-            <a:off x="2087034" y="2324364"/>
-            <a:ext cx="8338344" cy="2209271"/>
+            <a:off x="2009510" y="2499077"/>
+            <a:ext cx="8172979" cy="2583657"/>
           </a:xfrm>
           <a:prstGeom prst="rect">
             <a:avLst/>
@@ -3820,10 +4562,10 @@
       </p:grpSpPr>
       <p:sp>
         <p:nvSpPr>
-          <p:cNvPr id="63490" name="Slide Number Placeholder 5">
-            <a:extLst>
-              <a:ext uri="{FF2B5EF4-FFF2-40B4-BE49-F238E27FC236}">
-                <a16:creationId xmlns:a16="http://schemas.microsoft.com/office/drawing/2014/main" id="{5A4D0C2B-6C2F-48D5-9DC7-344F00B8551D}"/>
+          <p:cNvPr id="64514" name="Slide Number Placeholder 5">
+            <a:extLst>
+              <a:ext uri="{FF2B5EF4-FFF2-40B4-BE49-F238E27FC236}">
+                <a16:creationId xmlns:a16="http://schemas.microsoft.com/office/drawing/2014/main" id="{955037DC-DB10-4B97-B10A-44911D104950}"/>
               </a:ext>
             </a:extLst>
           </p:cNvPr>
@@ -3966,7 +4708,7 @@
           </a:lstStyle>
           <a:p>
             <a:pPr algn="r" eaLnBrk="1" hangingPunct="1"/>
-            <a:fld id="{4F01891C-DD0E-4771-91B5-F2D677B739CE}" type="slidenum">
+            <a:fld id="{10CB6CB3-E15A-4951-BFFF-85CE06DB7411}" type="slidenum">
               <a:rPr lang="en-US" altLang="en-US" sz="1417">
                 <a:solidFill>
                   <a:schemeClr val="accent1"/>
@@ -3987,10 +4729,10 @@
       </p:sp>
       <p:sp>
         <p:nvSpPr>
-          <p:cNvPr id="485378" name="Rectangle 2">
-            <a:extLst>
-              <a:ext uri="{FF2B5EF4-FFF2-40B4-BE49-F238E27FC236}">
-                <a16:creationId xmlns:a16="http://schemas.microsoft.com/office/drawing/2014/main" id="{29EE35C9-6C49-4E82-B538-1A72FE1930EA}"/>
+          <p:cNvPr id="500738" name="Rectangle 2">
+            <a:extLst>
+              <a:ext uri="{FF2B5EF4-FFF2-40B4-BE49-F238E27FC236}">
+                <a16:creationId xmlns:a16="http://schemas.microsoft.com/office/drawing/2014/main" id="{51DFDBB2-4DA8-401B-93BA-D6EED8ACD275}"/>
               </a:ext>
             </a:extLst>
           </p:cNvPr>
@@ -4031,10 +4773,10 @@
       </p:sp>
       <p:sp>
         <p:nvSpPr>
-          <p:cNvPr id="63492" name="Rectangle 3">
-            <a:extLst>
-              <a:ext uri="{FF2B5EF4-FFF2-40B4-BE49-F238E27FC236}">
-                <a16:creationId xmlns:a16="http://schemas.microsoft.com/office/drawing/2014/main" id="{4C079257-D0FE-4D76-A62D-88564F0C247D}"/>
+          <p:cNvPr id="64516" name="Rectangle 3">
+            <a:extLst>
+              <a:ext uri="{FF2B5EF4-FFF2-40B4-BE49-F238E27FC236}">
+                <a16:creationId xmlns:a16="http://schemas.microsoft.com/office/drawing/2014/main" id="{C2DF1DE6-6D30-47B1-AF78-9268FF36AF44}"/>
               </a:ext>
             </a:extLst>
           </p:cNvPr>
@@ -4047,13 +4789,13 @@
         </p:nvSpPr>
         <p:spPr>
           <a:xfrm>
-            <a:off x="1640417" y="1449917"/>
+            <a:off x="1732226" y="1402292"/>
             <a:ext cx="8913813" cy="4947708"/>
           </a:xfrm>
         </p:spPr>
         <p:txBody>
           <a:bodyPr vert="horz" lIns="91440" tIns="45720" rIns="91440" bIns="45720" rtlCol="0">
-            <a:normAutofit fontScale="92500" lnSpcReduction="20000"/>
+            <a:normAutofit fontScale="77500" lnSpcReduction="20000"/>
           </a:bodyPr>
           <a:lstStyle/>
           <a:p>
@@ -4062,11 +4804,11 @@
                 <a:spcPct val="120000"/>
               </a:lnSpc>
               <a:buFont typeface="Wingdings" panose="05000000000000000000" pitchFamily="2" charset="2"/>
-              <a:buAutoNum type="arabicPeriod" startAt="2"/>
+              <a:buAutoNum type="arabicPeriod" startAt="3"/>
             </a:pPr>
             <a:r>
               <a:rPr lang="en-US" altLang="en-US"/>
-              <a:t>Xét phần mềm quản lý bán hàng với nghiệp vụ lập phiếu thu tiền của khách hàng</a:t>
+              <a:t>Xét phần mềm quản lý các đại lý với nghiệp vụ tiếp nhận hồ sơ đại lý</a:t>
             </a:r>
           </a:p>
           <a:p>
@@ -4075,7 +4817,7 @@
                 <a:spcPct val="120000"/>
               </a:lnSpc>
               <a:buFont typeface="Wingdings" panose="05000000000000000000" pitchFamily="2" charset="2"/>
-              <a:buAutoNum type="arabicPeriod" startAt="2"/>
+              <a:buAutoNum type="arabicPeriod" startAt="3"/>
             </a:pPr>
             <a:endParaRPr lang="en-US" altLang="en-US"/>
           </a:p>
@@ -4085,7 +4827,7 @@
                 <a:spcPct val="120000"/>
               </a:lnSpc>
               <a:buFont typeface="Wingdings" panose="05000000000000000000" pitchFamily="2" charset="2"/>
-              <a:buAutoNum type="arabicPeriod" startAt="2"/>
+              <a:buAutoNum type="arabicPeriod" startAt="3"/>
             </a:pPr>
             <a:endParaRPr lang="en-US" altLang="en-US"/>
           </a:p>
@@ -4095,7 +4837,7 @@
                 <a:spcPct val="120000"/>
               </a:lnSpc>
               <a:buFont typeface="Wingdings" panose="05000000000000000000" pitchFamily="2" charset="2"/>
-              <a:buAutoNum type="arabicPeriod" startAt="2"/>
+              <a:buAutoNum type="arabicPeriod" startAt="3"/>
             </a:pPr>
             <a:endParaRPr lang="en-US" altLang="en-US"/>
           </a:p>
@@ -4105,7 +4847,7 @@
                 <a:spcPct val="120000"/>
               </a:lnSpc>
               <a:buFont typeface="Wingdings" panose="05000000000000000000" pitchFamily="2" charset="2"/>
-              <a:buAutoNum type="arabicPeriod" startAt="2"/>
+              <a:buAutoNum type="arabicPeriod" startAt="3"/>
             </a:pPr>
             <a:endParaRPr lang="en-US" altLang="en-US"/>
           </a:p>
@@ -4115,7 +4857,7 @@
                 <a:spcPct val="120000"/>
               </a:lnSpc>
               <a:buFont typeface="Wingdings" panose="05000000000000000000" pitchFamily="2" charset="2"/>
-              <a:buAutoNum type="arabicPeriod" startAt="2"/>
+              <a:buAutoNum type="arabicPeriod" startAt="3"/>
             </a:pPr>
             <a:endParaRPr lang="en-US" altLang="en-US"/>
           </a:p>
@@ -4128,7 +4870,7 @@
             </a:pPr>
             <a:r>
               <a:rPr lang="en-US" altLang="en-US"/>
-              <a:t>1. Hãy lập sơ đồ luồng dữ liệu, </a:t>
+              <a:t>	</a:t>
             </a:r>
           </a:p>
           <a:p>
@@ -4140,6 +4882,18 @@
             </a:pPr>
             <a:r>
               <a:rPr lang="en-US" altLang="en-US"/>
+              <a:t>1. Hãy lập sơ đồ luồng dữ liệu, </a:t>
+            </a:r>
+          </a:p>
+          <a:p>
+            <a:pPr marL="380985" indent="-380985" algn="just" defTabSz="761970">
+              <a:lnSpc>
+                <a:spcPct val="120000"/>
+              </a:lnSpc>
+              <a:buNone/>
+            </a:pPr>
+            <a:r>
+              <a:rPr lang="en-US" altLang="en-US"/>
               <a:t> 2. Thiết kế dữ liệu: Thiết kế tính đúng đắn, thiết kê tính tiến hóa, thiết kế tính hiệu quả (tốc độ), thiết kế tính hiệu quả (L</a:t>
             </a:r>
             <a:r>
@@ -4155,10 +4909,10 @@
       </p:sp>
       <p:pic>
         <p:nvPicPr>
-          <p:cNvPr id="63493" name="Picture 4">
-            <a:extLst>
-              <a:ext uri="{FF2B5EF4-FFF2-40B4-BE49-F238E27FC236}">
-                <a16:creationId xmlns:a16="http://schemas.microsoft.com/office/drawing/2014/main" id="{FB0182F1-40FF-4B71-BA4B-1F615433627A}"/>
+          <p:cNvPr id="64517" name="Picture 5">
+            <a:extLst>
+              <a:ext uri="{FF2B5EF4-FFF2-40B4-BE49-F238E27FC236}">
+                <a16:creationId xmlns:a16="http://schemas.microsoft.com/office/drawing/2014/main" id="{E61851DC-3B0C-46AD-9812-1E49CA28FDBD}"/>
               </a:ext>
             </a:extLst>
           </p:cNvPr>
@@ -4182,8 +4936,8 @@
         </p:blipFill>
         <p:spPr bwMode="auto">
           <a:xfrm>
-            <a:off x="2009510" y="2499077"/>
-            <a:ext cx="8172979" cy="2583657"/>
+            <a:off x="2061633" y="1917214"/>
+            <a:ext cx="8255000" cy="2742407"/>
           </a:xfrm>
           <a:prstGeom prst="rect">
             <a:avLst/>
@@ -4240,10 +4994,10 @@
       </p:grpSpPr>
       <p:sp>
         <p:nvSpPr>
-          <p:cNvPr id="64514" name="Slide Number Placeholder 5">
-            <a:extLst>
-              <a:ext uri="{FF2B5EF4-FFF2-40B4-BE49-F238E27FC236}">
-                <a16:creationId xmlns:a16="http://schemas.microsoft.com/office/drawing/2014/main" id="{955037DC-DB10-4B97-B10A-44911D104950}"/>
+          <p:cNvPr id="65538" name="Slide Number Placeholder 5">
+            <a:extLst>
+              <a:ext uri="{FF2B5EF4-FFF2-40B4-BE49-F238E27FC236}">
+                <a16:creationId xmlns:a16="http://schemas.microsoft.com/office/drawing/2014/main" id="{763598D4-B793-40EA-A1ED-441921BDA51E}"/>
               </a:ext>
             </a:extLst>
           </p:cNvPr>
@@ -4386,7 +5140,7 @@
           </a:lstStyle>
           <a:p>
             <a:pPr algn="r" eaLnBrk="1" hangingPunct="1"/>
-            <a:fld id="{10CB6CB3-E15A-4951-BFFF-85CE06DB7411}" type="slidenum">
+            <a:fld id="{2F8AFD38-4432-4C00-9DDE-374EBEC7BF25}" type="slidenum">
               <a:rPr lang="en-US" altLang="en-US" sz="1417">
                 <a:solidFill>
                   <a:schemeClr val="accent1"/>
@@ -4395,438 +5149,6 @@
               </a:rPr>
               <a:pPr algn="r" eaLnBrk="1" hangingPunct="1"/>
               <a:t>4</a:t>
-            </a:fld>
-            <a:endParaRPr lang="en-US" altLang="en-US" sz="1417">
-              <a:solidFill>
-                <a:schemeClr val="accent1"/>
-              </a:solidFill>
-              <a:cs typeface="Arial" panose="020B0604020202020204" pitchFamily="34" charset="0"/>
-            </a:endParaRPr>
-          </a:p>
-        </p:txBody>
-      </p:sp>
-      <p:sp>
-        <p:nvSpPr>
-          <p:cNvPr id="500738" name="Rectangle 2">
-            <a:extLst>
-              <a:ext uri="{FF2B5EF4-FFF2-40B4-BE49-F238E27FC236}">
-                <a16:creationId xmlns:a16="http://schemas.microsoft.com/office/drawing/2014/main" id="{51DFDBB2-4DA8-401B-93BA-D6EED8ACD275}"/>
-              </a:ext>
-            </a:extLst>
-          </p:cNvPr>
-          <p:cNvSpPr>
-            <a:spLocks noGrp="1" noChangeArrowheads="1"/>
-          </p:cNvSpPr>
-          <p:nvPr>
-            <p:ph type="title" idx="4294967295"/>
-          </p:nvPr>
-        </p:nvSpPr>
-        <p:spPr>
-          <a:xfrm>
-            <a:off x="2711979" y="206375"/>
-            <a:ext cx="7842250" cy="533136"/>
-          </a:xfrm>
-        </p:spPr>
-        <p:txBody>
-          <a:bodyPr vert="horz" lIns="91440" tIns="45720" rIns="91440" bIns="45720" rtlCol="0" anchor="ctr">
-            <a:normAutofit fontScale="90000"/>
-          </a:bodyPr>
-          <a:lstStyle/>
-          <a:p>
-            <a:pPr eaLnBrk="1" hangingPunct="1">
-              <a:defRPr/>
-            </a:pPr>
-            <a:r>
-              <a:rPr lang="en-US" b="1">
-                <a:effectLst>
-                  <a:outerShdw blurRad="38100" dist="38100" dir="2700000" algn="tl">
-                    <a:srgbClr val="C0C0C0"/>
-                  </a:outerShdw>
-                </a:effectLst>
-              </a:rPr>
-              <a:t>Bài tập</a:t>
-            </a:r>
-          </a:p>
-        </p:txBody>
-      </p:sp>
-      <p:sp>
-        <p:nvSpPr>
-          <p:cNvPr id="64516" name="Rectangle 3">
-            <a:extLst>
-              <a:ext uri="{FF2B5EF4-FFF2-40B4-BE49-F238E27FC236}">
-                <a16:creationId xmlns:a16="http://schemas.microsoft.com/office/drawing/2014/main" id="{C2DF1DE6-6D30-47B1-AF78-9268FF36AF44}"/>
-              </a:ext>
-            </a:extLst>
-          </p:cNvPr>
-          <p:cNvSpPr>
-            <a:spLocks noGrp="1" noChangeArrowheads="1"/>
-          </p:cNvSpPr>
-          <p:nvPr>
-            <p:ph type="body" idx="4294967295"/>
-          </p:nvPr>
-        </p:nvSpPr>
-        <p:spPr>
-          <a:xfrm>
-            <a:off x="1640417" y="1449917"/>
-            <a:ext cx="8913813" cy="4947708"/>
-          </a:xfrm>
-        </p:spPr>
-        <p:txBody>
-          <a:bodyPr vert="horz" lIns="91440" tIns="45720" rIns="91440" bIns="45720" rtlCol="0">
-            <a:normAutofit fontScale="77500" lnSpcReduction="20000"/>
-          </a:bodyPr>
-          <a:lstStyle/>
-          <a:p>
-            <a:pPr marL="380985" indent="-380985" algn="just" defTabSz="761970">
-              <a:lnSpc>
-                <a:spcPct val="120000"/>
-              </a:lnSpc>
-              <a:buFont typeface="Wingdings" panose="05000000000000000000" pitchFamily="2" charset="2"/>
-              <a:buAutoNum type="arabicPeriod" startAt="3"/>
-            </a:pPr>
-            <a:r>
-              <a:rPr lang="en-US" altLang="en-US"/>
-              <a:t>Xét phần mềm quản lý các đại lý với nghiệp vụ tiếp nhận hồ sơ đại lý</a:t>
-            </a:r>
-          </a:p>
-          <a:p>
-            <a:pPr marL="380985" indent="-380985" algn="just" defTabSz="761970">
-              <a:lnSpc>
-                <a:spcPct val="120000"/>
-              </a:lnSpc>
-              <a:buFont typeface="Wingdings" panose="05000000000000000000" pitchFamily="2" charset="2"/>
-              <a:buAutoNum type="arabicPeriod" startAt="3"/>
-            </a:pPr>
-            <a:endParaRPr lang="en-US" altLang="en-US"/>
-          </a:p>
-          <a:p>
-            <a:pPr marL="380985" indent="-380985" algn="just" defTabSz="761970">
-              <a:lnSpc>
-                <a:spcPct val="120000"/>
-              </a:lnSpc>
-              <a:buFont typeface="Wingdings" panose="05000000000000000000" pitchFamily="2" charset="2"/>
-              <a:buAutoNum type="arabicPeriod" startAt="3"/>
-            </a:pPr>
-            <a:endParaRPr lang="en-US" altLang="en-US"/>
-          </a:p>
-          <a:p>
-            <a:pPr marL="380985" indent="-380985" algn="just" defTabSz="761970">
-              <a:lnSpc>
-                <a:spcPct val="120000"/>
-              </a:lnSpc>
-              <a:buFont typeface="Wingdings" panose="05000000000000000000" pitchFamily="2" charset="2"/>
-              <a:buAutoNum type="arabicPeriod" startAt="3"/>
-            </a:pPr>
-            <a:endParaRPr lang="en-US" altLang="en-US"/>
-          </a:p>
-          <a:p>
-            <a:pPr marL="380985" indent="-380985" algn="just" defTabSz="761970">
-              <a:lnSpc>
-                <a:spcPct val="120000"/>
-              </a:lnSpc>
-              <a:buFont typeface="Wingdings" panose="05000000000000000000" pitchFamily="2" charset="2"/>
-              <a:buAutoNum type="arabicPeriod" startAt="3"/>
-            </a:pPr>
-            <a:endParaRPr lang="en-US" altLang="en-US"/>
-          </a:p>
-          <a:p>
-            <a:pPr marL="380985" indent="-380985" algn="just" defTabSz="761970">
-              <a:lnSpc>
-                <a:spcPct val="120000"/>
-              </a:lnSpc>
-              <a:buFont typeface="Wingdings" panose="05000000000000000000" pitchFamily="2" charset="2"/>
-              <a:buAutoNum type="arabicPeriod" startAt="3"/>
-            </a:pPr>
-            <a:endParaRPr lang="en-US" altLang="en-US"/>
-          </a:p>
-          <a:p>
-            <a:pPr marL="380985" indent="-380985" algn="just" defTabSz="761970">
-              <a:lnSpc>
-                <a:spcPct val="120000"/>
-              </a:lnSpc>
-              <a:buNone/>
-            </a:pPr>
-            <a:r>
-              <a:rPr lang="en-US" altLang="en-US"/>
-              <a:t>	</a:t>
-            </a:r>
-          </a:p>
-          <a:p>
-            <a:pPr marL="380985" indent="-380985" algn="just" defTabSz="761970">
-              <a:lnSpc>
-                <a:spcPct val="120000"/>
-              </a:lnSpc>
-              <a:buNone/>
-            </a:pPr>
-            <a:r>
-              <a:rPr lang="en-US" altLang="en-US"/>
-              <a:t>1. Hãy lập sơ đồ luồng dữ liệu, </a:t>
-            </a:r>
-          </a:p>
-          <a:p>
-            <a:pPr marL="380985" indent="-380985" algn="just" defTabSz="761970">
-              <a:lnSpc>
-                <a:spcPct val="120000"/>
-              </a:lnSpc>
-              <a:buNone/>
-            </a:pPr>
-            <a:r>
-              <a:rPr lang="en-US" altLang="en-US"/>
-              <a:t> 2. Thiết kế dữ liệu: Thiết kế tính đúng đắn, thiết kê tính tiến hóa, thiết kế tính hiệu quả (tốc độ), thiết kế tính hiệu quả (L</a:t>
-            </a:r>
-            <a:r>
-              <a:rPr lang="vi-VN" altLang="en-US"/>
-              <a:t>ư</a:t>
-            </a:r>
-            <a:r>
-              <a:rPr lang="en-US" altLang="en-US"/>
-              <a:t>u trữ)</a:t>
-            </a:r>
-          </a:p>
-        </p:txBody>
-      </p:sp>
-      <p:pic>
-        <p:nvPicPr>
-          <p:cNvPr id="64517" name="Picture 5">
-            <a:extLst>
-              <a:ext uri="{FF2B5EF4-FFF2-40B4-BE49-F238E27FC236}">
-                <a16:creationId xmlns:a16="http://schemas.microsoft.com/office/drawing/2014/main" id="{E61851DC-3B0C-46AD-9812-1E49CA28FDBD}"/>
-              </a:ext>
-            </a:extLst>
-          </p:cNvPr>
-          <p:cNvPicPr>
-            <a:picLocks noChangeAspect="1" noChangeArrowheads="1"/>
-          </p:cNvPicPr>
-          <p:nvPr/>
-        </p:nvPicPr>
-        <p:blipFill>
-          <a:blip r:embed="rId2">
-            <a:extLst>
-              <a:ext uri="{28A0092B-C50C-407E-A947-70E740481C1C}">
-                <a14:useLocalDpi xmlns:a14="http://schemas.microsoft.com/office/drawing/2010/main" val="0"/>
-              </a:ext>
-            </a:extLst>
-          </a:blip>
-          <a:srcRect/>
-          <a:stretch>
-            <a:fillRect/>
-          </a:stretch>
-        </p:blipFill>
-        <p:spPr bwMode="auto">
-          <a:xfrm>
-            <a:off x="2061633" y="1917214"/>
-            <a:ext cx="8255000" cy="2742407"/>
-          </a:xfrm>
-          <a:prstGeom prst="rect">
-            <a:avLst/>
-          </a:prstGeom>
-          <a:noFill/>
-          <a:ln>
-            <a:noFill/>
-          </a:ln>
-          <a:extLst>
-            <a:ext uri="{909E8E84-426E-40DD-AFC4-6F175D3DCCD1}">
-              <a14:hiddenFill xmlns:a14="http://schemas.microsoft.com/office/drawing/2010/main">
-                <a:solidFill>
-                  <a:srgbClr val="FFFFFF"/>
-                </a:solidFill>
-              </a14:hiddenFill>
-            </a:ext>
-            <a:ext uri="{91240B29-F687-4F45-9708-019B960494DF}">
-              <a14:hiddenLine xmlns:a14="http://schemas.microsoft.com/office/drawing/2010/main" w="9525">
-                <a:solidFill>
-                  <a:srgbClr val="000000"/>
-                </a:solidFill>
-                <a:miter lim="800000"/>
-                <a:headEnd/>
-                <a:tailEnd/>
-              </a14:hiddenLine>
-            </a:ext>
-          </a:extLst>
-        </p:spPr>
-      </p:pic>
-    </p:spTree>
-  </p:cSld>
-  <p:clrMapOvr>
-    <a:masterClrMapping/>
-  </p:clrMapOvr>
-</p:sld>
-</file>
-
-<file path=ppt/slides/slide5.xml><?xml version="1.0" encoding="utf-8"?>
-<p:sld xmlns:a="http://schemas.openxmlformats.org/drawingml/2006/main" xmlns:r="http://schemas.openxmlformats.org/officeDocument/2006/relationships" xmlns:p="http://schemas.openxmlformats.org/presentationml/2006/main">
-  <p:cSld>
-    <p:spTree>
-      <p:nvGrpSpPr>
-        <p:cNvPr id="1" name=""/>
-        <p:cNvGrpSpPr/>
-        <p:nvPr/>
-      </p:nvGrpSpPr>
-      <p:grpSpPr>
-        <a:xfrm>
-          <a:off x="0" y="0"/>
-          <a:ext cx="0" cy="0"/>
-          <a:chOff x="0" y="0"/>
-          <a:chExt cx="0" cy="0"/>
-        </a:xfrm>
-      </p:grpSpPr>
-      <p:sp>
-        <p:nvSpPr>
-          <p:cNvPr id="65538" name="Slide Number Placeholder 5">
-            <a:extLst>
-              <a:ext uri="{FF2B5EF4-FFF2-40B4-BE49-F238E27FC236}">
-                <a16:creationId xmlns:a16="http://schemas.microsoft.com/office/drawing/2014/main" id="{763598D4-B793-40EA-A1ED-441921BDA51E}"/>
-              </a:ext>
-            </a:extLst>
-          </p:cNvPr>
-          <p:cNvSpPr txBox="1">
-            <a:spLocks noGrp="1"/>
-          </p:cNvSpPr>
-          <p:nvPr/>
-        </p:nvSpPr>
-        <p:spPr bwMode="gray">
-          <a:xfrm>
-            <a:off x="8241771" y="6521979"/>
-            <a:ext cx="2312458" cy="243417"/>
-          </a:xfrm>
-          <a:prstGeom prst="rect">
-            <a:avLst/>
-          </a:prstGeom>
-          <a:noFill/>
-          <a:ln>
-            <a:noFill/>
-          </a:ln>
-          <a:extLst>
-            <a:ext uri="{909E8E84-426E-40DD-AFC4-6F175D3DCCD1}">
-              <a14:hiddenFill xmlns:a14="http://schemas.microsoft.com/office/drawing/2010/main">
-                <a:solidFill>
-                  <a:srgbClr val="FFFFFF"/>
-                </a:solidFill>
-              </a14:hiddenFill>
-            </a:ext>
-            <a:ext uri="{91240B29-F687-4F45-9708-019B960494DF}">
-              <a14:hiddenLine xmlns:a14="http://schemas.microsoft.com/office/drawing/2010/main" w="9525">
-                <a:solidFill>
-                  <a:srgbClr val="000000"/>
-                </a:solidFill>
-                <a:miter lim="800000"/>
-                <a:headEnd/>
-                <a:tailEnd/>
-              </a14:hiddenLine>
-            </a:ext>
-          </a:extLst>
-        </p:spPr>
-        <p:txBody>
-          <a:bodyPr lIns="91440" tIns="45720" rIns="91440" bIns="45720"/>
-          <a:lstStyle>
-            <a:lvl1pPr defTabSz="1096963" eaLnBrk="0" hangingPunct="0">
-              <a:defRPr sz="5100">
-                <a:solidFill>
-                  <a:schemeClr val="tx1"/>
-                </a:solidFill>
-                <a:latin typeface="Arial" panose="020B0604020202020204" pitchFamily="34" charset="0"/>
-              </a:defRPr>
-            </a:lvl1pPr>
-            <a:lvl2pPr marL="742950" indent="-285750" defTabSz="1096963" eaLnBrk="0" hangingPunct="0">
-              <a:defRPr sz="5100">
-                <a:solidFill>
-                  <a:schemeClr val="tx1"/>
-                </a:solidFill>
-                <a:latin typeface="Arial" panose="020B0604020202020204" pitchFamily="34" charset="0"/>
-              </a:defRPr>
-            </a:lvl2pPr>
-            <a:lvl3pPr marL="1143000" indent="-228600" defTabSz="1096963" eaLnBrk="0" hangingPunct="0">
-              <a:defRPr sz="5100">
-                <a:solidFill>
-                  <a:schemeClr val="tx1"/>
-                </a:solidFill>
-                <a:latin typeface="Arial" panose="020B0604020202020204" pitchFamily="34" charset="0"/>
-              </a:defRPr>
-            </a:lvl3pPr>
-            <a:lvl4pPr marL="1600200" indent="-228600" defTabSz="1096963" eaLnBrk="0" hangingPunct="0">
-              <a:defRPr sz="5100">
-                <a:solidFill>
-                  <a:schemeClr val="tx1"/>
-                </a:solidFill>
-                <a:latin typeface="Arial" panose="020B0604020202020204" pitchFamily="34" charset="0"/>
-              </a:defRPr>
-            </a:lvl4pPr>
-            <a:lvl5pPr marL="2057400" indent="-228600" defTabSz="1096963" eaLnBrk="0" hangingPunct="0">
-              <a:defRPr sz="5100">
-                <a:solidFill>
-                  <a:schemeClr val="tx1"/>
-                </a:solidFill>
-                <a:latin typeface="Arial" panose="020B0604020202020204" pitchFamily="34" charset="0"/>
-              </a:defRPr>
-            </a:lvl5pPr>
-            <a:lvl6pPr marL="2514600" indent="-228600" algn="ctr" defTabSz="1096963" eaLnBrk="0" fontAlgn="base" hangingPunct="0">
-              <a:spcBef>
-                <a:spcPct val="0"/>
-              </a:spcBef>
-              <a:spcAft>
-                <a:spcPct val="0"/>
-              </a:spcAft>
-              <a:defRPr sz="5100">
-                <a:solidFill>
-                  <a:schemeClr val="tx1"/>
-                </a:solidFill>
-                <a:latin typeface="Arial" panose="020B0604020202020204" pitchFamily="34" charset="0"/>
-              </a:defRPr>
-            </a:lvl6pPr>
-            <a:lvl7pPr marL="2971800" indent="-228600" algn="ctr" defTabSz="1096963" eaLnBrk="0" fontAlgn="base" hangingPunct="0">
-              <a:spcBef>
-                <a:spcPct val="0"/>
-              </a:spcBef>
-              <a:spcAft>
-                <a:spcPct val="0"/>
-              </a:spcAft>
-              <a:defRPr sz="5100">
-                <a:solidFill>
-                  <a:schemeClr val="tx1"/>
-                </a:solidFill>
-                <a:latin typeface="Arial" panose="020B0604020202020204" pitchFamily="34" charset="0"/>
-              </a:defRPr>
-            </a:lvl7pPr>
-            <a:lvl8pPr marL="3429000" indent="-228600" algn="ctr" defTabSz="1096963" eaLnBrk="0" fontAlgn="base" hangingPunct="0">
-              <a:spcBef>
-                <a:spcPct val="0"/>
-              </a:spcBef>
-              <a:spcAft>
-                <a:spcPct val="0"/>
-              </a:spcAft>
-              <a:defRPr sz="5100">
-                <a:solidFill>
-                  <a:schemeClr val="tx1"/>
-                </a:solidFill>
-                <a:latin typeface="Arial" panose="020B0604020202020204" pitchFamily="34" charset="0"/>
-              </a:defRPr>
-            </a:lvl8pPr>
-            <a:lvl9pPr marL="3886200" indent="-228600" algn="ctr" defTabSz="1096963" eaLnBrk="0" fontAlgn="base" hangingPunct="0">
-              <a:spcBef>
-                <a:spcPct val="0"/>
-              </a:spcBef>
-              <a:spcAft>
-                <a:spcPct val="0"/>
-              </a:spcAft>
-              <a:defRPr sz="5100">
-                <a:solidFill>
-                  <a:schemeClr val="tx1"/>
-                </a:solidFill>
-                <a:latin typeface="Arial" panose="020B0604020202020204" pitchFamily="34" charset="0"/>
-              </a:defRPr>
-            </a:lvl9pPr>
-          </a:lstStyle>
-          <a:p>
-            <a:pPr algn="r" eaLnBrk="1" hangingPunct="1"/>
-            <a:fld id="{2F8AFD38-4432-4C00-9DDE-374EBEC7BF25}" type="slidenum">
-              <a:rPr lang="en-US" altLang="en-US" sz="1417">
-                <a:solidFill>
-                  <a:schemeClr val="accent1"/>
-                </a:solidFill>
-                <a:cs typeface="Arial" panose="020B0604020202020204" pitchFamily="34" charset="0"/>
-              </a:rPr>
-              <a:pPr algn="r" eaLnBrk="1" hangingPunct="1"/>
-              <a:t>5</a:t>
             </a:fld>
             <a:endParaRPr lang="en-US" altLang="en-US" sz="1417">
               <a:solidFill>
@@ -5566,7 +5888,21 @@
 </file>
 
 <file path=customXml/itemProps1.xml><?xml version="1.0" encoding="utf-8"?>
-<ds:datastoreItem xmlns:ds="http://schemas.openxmlformats.org/officeDocument/2006/customXml" ds:itemID="{3DA81BA6-A86B-4B0E-AA3F-723A4EA08286}"/>
+<ds:datastoreItem xmlns:ds="http://schemas.openxmlformats.org/officeDocument/2006/customXml" ds:itemID="{3DA81BA6-A86B-4B0E-AA3F-723A4EA08286}">
+  <ds:schemaRefs>
+    <ds:schemaRef ds:uri="http://schemas.microsoft.com/office/2006/metadata/contentType"/>
+    <ds:schemaRef ds:uri="http://schemas.microsoft.com/office/2006/metadata/properties/metaAttributes"/>
+    <ds:schemaRef ds:uri="http://www.w3.org/2001/XMLSchema"/>
+    <ds:schemaRef ds:uri="http://schemas.microsoft.com/office/2006/metadata/properties"/>
+    <ds:schemaRef ds:uri="3d7c5364-fd98-47f1-83b6-8b9288afb529"/>
+    <ds:schemaRef ds:uri="http://schemas.microsoft.com/office/2006/documentManagement/types"/>
+    <ds:schemaRef ds:uri="http://schemas.microsoft.com/office/infopath/2007/PartnerControls"/>
+    <ds:schemaRef ds:uri="http://schemas.openxmlformats.org/package/2006/metadata/core-properties"/>
+    <ds:schemaRef ds:uri="http://purl.org/dc/elements/1.1/"/>
+    <ds:schemaRef ds:uri="http://purl.org/dc/terms/"/>
+    <ds:schemaRef ds:uri="http://schemas.microsoft.com/internal/obd"/>
+  </ds:schemaRefs>
+</ds:datastoreItem>
 </file>
 
 <file path=customXml/itemProps2.xml><?xml version="1.0" encoding="utf-8"?>
